--- a/스크립트 텀프로젝트_김영범.pptx
+++ b/스크립트 텀프로젝트_김영범.pptx
@@ -216,7 +216,7 @@
             <a:fld id="{65771C21-3757-4199-83DE-22960358A2A5}" type="datetimeFigureOut">
               <a:rPr lang="ko-KR" altLang="en-US" smtClean="0"/>
               <a:pPr/>
-              <a:t>2019-05-12</a:t>
+              <a:t>2019-05-14</a:t>
             </a:fld>
             <a:endParaRPr lang="ko-KR" altLang="en-US"/>
           </a:p>
@@ -1421,7 +1421,7 @@
             <a:fld id="{A22FE722-38C7-4231-8BB5-7A27D4E5977D}" type="datetimeFigureOut">
               <a:rPr lang="ko-KR" altLang="en-US" smtClean="0"/>
               <a:pPr/>
-              <a:t>2019-05-12</a:t>
+              <a:t>2019-05-14</a:t>
             </a:fld>
             <a:endParaRPr lang="ko-KR" altLang="en-US"/>
           </a:p>
@@ -1631,7 +1631,7 @@
             <a:fld id="{A22FE722-38C7-4231-8BB5-7A27D4E5977D}" type="datetimeFigureOut">
               <a:rPr lang="ko-KR" altLang="en-US" smtClean="0"/>
               <a:pPr/>
-              <a:t>2019-05-12</a:t>
+              <a:t>2019-05-14</a:t>
             </a:fld>
             <a:endParaRPr lang="ko-KR" altLang="en-US"/>
           </a:p>
@@ -1889,7 +1889,7 @@
             <a:fld id="{A22FE722-38C7-4231-8BB5-7A27D4E5977D}" type="datetimeFigureOut">
               <a:rPr lang="ko-KR" altLang="en-US" smtClean="0"/>
               <a:pPr/>
-              <a:t>2019-05-12</a:t>
+              <a:t>2019-05-14</a:t>
             </a:fld>
             <a:endParaRPr lang="ko-KR" altLang="en-US"/>
           </a:p>
@@ -2061,7 +2061,7 @@
             <a:fld id="{A22FE722-38C7-4231-8BB5-7A27D4E5977D}" type="datetimeFigureOut">
               <a:rPr lang="ko-KR" altLang="en-US" smtClean="0"/>
               <a:pPr/>
-              <a:t>2019-05-12</a:t>
+              <a:t>2019-05-14</a:t>
             </a:fld>
             <a:endParaRPr lang="ko-KR" altLang="en-US"/>
           </a:p>
@@ -2406,7 +2406,7 @@
             <a:fld id="{A22FE722-38C7-4231-8BB5-7A27D4E5977D}" type="datetimeFigureOut">
               <a:rPr lang="ko-KR" altLang="en-US" smtClean="0"/>
               <a:pPr/>
-              <a:t>2019-05-12</a:t>
+              <a:t>2019-05-14</a:t>
             </a:fld>
             <a:endParaRPr lang="ko-KR" altLang="en-US"/>
           </a:p>
@@ -2683,7 +2683,7 @@
             <a:fld id="{A22FE722-38C7-4231-8BB5-7A27D4E5977D}" type="datetimeFigureOut">
               <a:rPr lang="ko-KR" altLang="en-US" smtClean="0"/>
               <a:pPr/>
-              <a:t>2019-05-12</a:t>
+              <a:t>2019-05-14</a:t>
             </a:fld>
             <a:endParaRPr lang="ko-KR" altLang="en-US"/>
           </a:p>
@@ -3064,7 +3064,7 @@
             <a:fld id="{A22FE722-38C7-4231-8BB5-7A27D4E5977D}" type="datetimeFigureOut">
               <a:rPr lang="ko-KR" altLang="en-US" smtClean="0"/>
               <a:pPr/>
-              <a:t>2019-05-12</a:t>
+              <a:t>2019-05-14</a:t>
             </a:fld>
             <a:endParaRPr lang="ko-KR" altLang="en-US"/>
           </a:p>
@@ -3184,7 +3184,7 @@
             <a:fld id="{A22FE722-38C7-4231-8BB5-7A27D4E5977D}" type="datetimeFigureOut">
               <a:rPr lang="ko-KR" altLang="en-US" smtClean="0"/>
               <a:pPr/>
-              <a:t>2019-05-12</a:t>
+              <a:t>2019-05-14</a:t>
             </a:fld>
             <a:endParaRPr lang="ko-KR" altLang="en-US"/>
           </a:p>
@@ -3357,7 +3357,7 @@
             <a:fld id="{A22FE722-38C7-4231-8BB5-7A27D4E5977D}" type="datetimeFigureOut">
               <a:rPr lang="ko-KR" altLang="en-US" smtClean="0"/>
               <a:pPr/>
-              <a:t>2019-05-12</a:t>
+              <a:t>2019-05-14</a:t>
             </a:fld>
             <a:endParaRPr lang="ko-KR" altLang="en-US"/>
           </a:p>
@@ -3713,7 +3713,7 @@
             <a:fld id="{A22FE722-38C7-4231-8BB5-7A27D4E5977D}" type="datetimeFigureOut">
               <a:rPr lang="ko-KR" altLang="en-US" smtClean="0"/>
               <a:pPr/>
-              <a:t>2019-05-12</a:t>
+              <a:t>2019-05-14</a:t>
             </a:fld>
             <a:endParaRPr lang="ko-KR" altLang="en-US"/>
           </a:p>
@@ -4097,7 +4097,7 @@
             <a:fld id="{A22FE722-38C7-4231-8BB5-7A27D4E5977D}" type="datetimeFigureOut">
               <a:rPr lang="ko-KR" altLang="en-US" smtClean="0"/>
               <a:pPr/>
-              <a:t>2019-05-12</a:t>
+              <a:t>2019-05-14</a:t>
             </a:fld>
             <a:endParaRPr lang="ko-KR" altLang="en-US"/>
           </a:p>
@@ -4386,7 +4386,7 @@
             <a:fld id="{A22FE722-38C7-4231-8BB5-7A27D4E5977D}" type="datetimeFigureOut">
               <a:rPr lang="ko-KR" altLang="en-US" smtClean="0"/>
               <a:pPr/>
-              <a:t>2019-05-12</a:t>
+              <a:t>2019-05-14</a:t>
             </a:fld>
             <a:endParaRPr lang="ko-KR" altLang="en-US"/>
           </a:p>
@@ -5766,13 +5766,6 @@
               </a:rPr>
               <a:t>정보 조회 서비스</a:t>
             </a:r>
-            <a:endParaRPr lang="ko-KR" altLang="en-US" sz="2400" b="1" spc="-150" dirty="0" smtClean="0">
-              <a:solidFill>
-                <a:schemeClr val="accent5">
-                  <a:lumMod val="75000"/>
-                </a:schemeClr>
-              </a:solidFill>
-            </a:endParaRPr>
           </a:p>
         </p:txBody>
       </p:sp>
@@ -5979,18 +5972,7 @@
                 </a:solidFill>
                 <a:latin typeface="+mj-ea"/>
               </a:rPr>
-              <a:t>주제 선</a:t>
-            </a:r>
-            <a:r>
-              <a:rPr lang="ko-KR" altLang="en-US" sz="2800" b="1" spc="-150" dirty="0" smtClean="0">
-                <a:solidFill>
-                  <a:schemeClr val="tx2">
-                    <a:lumMod val="75000"/>
-                  </a:schemeClr>
-                </a:solidFill>
-                <a:latin typeface="+mj-ea"/>
-              </a:rPr>
-              <a:t>정</a:t>
+              <a:t>주제 선정</a:t>
             </a:r>
             <a:endParaRPr lang="ko-KR" altLang="en-US" sz="2800" dirty="0">
               <a:solidFill>
@@ -6430,18 +6412,7 @@
                 </a:solidFill>
                 <a:latin typeface="+mj-ea"/>
               </a:rPr>
-              <a:t>주제 선</a:t>
-            </a:r>
-            <a:r>
-              <a:rPr lang="ko-KR" altLang="en-US" sz="2800" b="1" spc="-150" dirty="0" smtClean="0">
-                <a:solidFill>
-                  <a:schemeClr val="tx2">
-                    <a:lumMod val="75000"/>
-                  </a:schemeClr>
-                </a:solidFill>
-                <a:latin typeface="+mj-ea"/>
-              </a:rPr>
-              <a:t>정</a:t>
+              <a:t>주제 선정</a:t>
             </a:r>
             <a:endParaRPr lang="ko-KR" altLang="en-US" sz="2800" dirty="0">
               <a:solidFill>
@@ -7344,13 +7315,13 @@
           <p:nvPr>
             <p:extLst>
               <p:ext uri="{D42A27DB-BD31-4B8C-83A1-F6EECF244321}">
-                <p14:modId xmlns:p14="http://schemas.microsoft.com/office/powerpoint/2010/main" val="1734537743"/>
+                <p14:modId xmlns:p14="http://schemas.microsoft.com/office/powerpoint/2010/main" val="1230564565"/>
               </p:ext>
             </p:extLst>
           </p:nvPr>
         </p:nvGraphicFramePr>
         <p:xfrm>
-          <a:off x="520775" y="1619340"/>
+          <a:off x="520775" y="1412776"/>
           <a:ext cx="8102450" cy="4368876"/>
         </p:xfrm>
         <a:graphic>
@@ -8262,6 +8233,88 @@
           </a:p>
         </p:txBody>
       </p:sp>
+      <p:sp>
+        <p:nvSpPr>
+          <p:cNvPr id="7" name="TextBox 6"/>
+          <p:cNvSpPr txBox="1"/>
+          <p:nvPr/>
+        </p:nvSpPr>
+        <p:spPr>
+          <a:xfrm>
+            <a:off x="1979712" y="6030034"/>
+            <a:ext cx="3456384" cy="307777"/>
+          </a:xfrm>
+          <a:prstGeom prst="rect">
+            <a:avLst/>
+          </a:prstGeom>
+          <a:noFill/>
+        </p:spPr>
+        <p:txBody>
+          <a:bodyPr wrap="square" rtlCol="0">
+            <a:spAutoFit/>
+          </a:bodyPr>
+          <a:lstStyle/>
+          <a:p>
+            <a:r>
+              <a:rPr lang="en-US" altLang="ko-KR" sz="1400" dirty="0">
+                <a:hlinkClick r:id="rId3"/>
+              </a:rPr>
+              <a:t>https://github.com/Bumizi/Script</a:t>
+            </a:r>
+            <a:endParaRPr lang="ko-KR" altLang="en-US" sz="1400" dirty="0">
+              <a:solidFill>
+                <a:schemeClr val="tx2">
+                  <a:lumMod val="75000"/>
+                </a:schemeClr>
+              </a:solidFill>
+            </a:endParaRPr>
+          </a:p>
+        </p:txBody>
+      </p:sp>
+      <p:sp>
+        <p:nvSpPr>
+          <p:cNvPr id="8" name="TextBox 7"/>
+          <p:cNvSpPr txBox="1"/>
+          <p:nvPr/>
+        </p:nvSpPr>
+        <p:spPr>
+          <a:xfrm>
+            <a:off x="683568" y="6030034"/>
+            <a:ext cx="1728191" cy="338554"/>
+          </a:xfrm>
+          <a:prstGeom prst="rect">
+            <a:avLst/>
+          </a:prstGeom>
+          <a:noFill/>
+        </p:spPr>
+        <p:txBody>
+          <a:bodyPr wrap="square" rtlCol="0">
+            <a:spAutoFit/>
+          </a:bodyPr>
+          <a:lstStyle/>
+          <a:p>
+            <a:r>
+              <a:rPr lang="ko-KR" altLang="en-US" sz="1600" dirty="0" err="1" smtClean="0"/>
+              <a:t>깃허브</a:t>
+            </a:r>
+            <a:r>
+              <a:rPr lang="ko-KR" altLang="en-US" sz="1600" dirty="0" smtClean="0"/>
+              <a:t> 주소 </a:t>
+            </a:r>
+            <a:r>
+              <a:rPr lang="en-US" altLang="ko-KR" sz="1600" dirty="0" smtClean="0"/>
+              <a:t>:</a:t>
+            </a:r>
+            <a:endParaRPr lang="ko-KR" altLang="en-US" sz="1600" dirty="0">
+              <a:solidFill>
+                <a:schemeClr val="tx2">
+                  <a:lumMod val="75000"/>
+                </a:schemeClr>
+              </a:solidFill>
+            </a:endParaRPr>
+          </a:p>
+        </p:txBody>
+      </p:sp>
     </p:spTree>
     <p:extLst>
       <p:ext uri="{BB962C8B-B14F-4D97-AF65-F5344CB8AC3E}">

--- a/스크립트 텀프로젝트_김영범.pptx
+++ b/스크립트 텀프로젝트_김영범.pptx
@@ -216,7 +216,7 @@
             <a:fld id="{65771C21-3757-4199-83DE-22960358A2A5}" type="datetimeFigureOut">
               <a:rPr lang="ko-KR" altLang="en-US" smtClean="0"/>
               <a:pPr/>
-              <a:t>2019-05-14</a:t>
+              <a:t>2019-05-15</a:t>
             </a:fld>
             <a:endParaRPr lang="ko-KR" altLang="en-US"/>
           </a:p>
@@ -1421,7 +1421,7 @@
             <a:fld id="{A22FE722-38C7-4231-8BB5-7A27D4E5977D}" type="datetimeFigureOut">
               <a:rPr lang="ko-KR" altLang="en-US" smtClean="0"/>
               <a:pPr/>
-              <a:t>2019-05-14</a:t>
+              <a:t>2019-05-15</a:t>
             </a:fld>
             <a:endParaRPr lang="ko-KR" altLang="en-US"/>
           </a:p>
@@ -1631,7 +1631,7 @@
             <a:fld id="{A22FE722-38C7-4231-8BB5-7A27D4E5977D}" type="datetimeFigureOut">
               <a:rPr lang="ko-KR" altLang="en-US" smtClean="0"/>
               <a:pPr/>
-              <a:t>2019-05-14</a:t>
+              <a:t>2019-05-15</a:t>
             </a:fld>
             <a:endParaRPr lang="ko-KR" altLang="en-US"/>
           </a:p>
@@ -1889,7 +1889,7 @@
             <a:fld id="{A22FE722-38C7-4231-8BB5-7A27D4E5977D}" type="datetimeFigureOut">
               <a:rPr lang="ko-KR" altLang="en-US" smtClean="0"/>
               <a:pPr/>
-              <a:t>2019-05-14</a:t>
+              <a:t>2019-05-15</a:t>
             </a:fld>
             <a:endParaRPr lang="ko-KR" altLang="en-US"/>
           </a:p>
@@ -2061,7 +2061,7 @@
             <a:fld id="{A22FE722-38C7-4231-8BB5-7A27D4E5977D}" type="datetimeFigureOut">
               <a:rPr lang="ko-KR" altLang="en-US" smtClean="0"/>
               <a:pPr/>
-              <a:t>2019-05-14</a:t>
+              <a:t>2019-05-15</a:t>
             </a:fld>
             <a:endParaRPr lang="ko-KR" altLang="en-US"/>
           </a:p>
@@ -2406,7 +2406,7 @@
             <a:fld id="{A22FE722-38C7-4231-8BB5-7A27D4E5977D}" type="datetimeFigureOut">
               <a:rPr lang="ko-KR" altLang="en-US" smtClean="0"/>
               <a:pPr/>
-              <a:t>2019-05-14</a:t>
+              <a:t>2019-05-15</a:t>
             </a:fld>
             <a:endParaRPr lang="ko-KR" altLang="en-US"/>
           </a:p>
@@ -2683,7 +2683,7 @@
             <a:fld id="{A22FE722-38C7-4231-8BB5-7A27D4E5977D}" type="datetimeFigureOut">
               <a:rPr lang="ko-KR" altLang="en-US" smtClean="0"/>
               <a:pPr/>
-              <a:t>2019-05-14</a:t>
+              <a:t>2019-05-15</a:t>
             </a:fld>
             <a:endParaRPr lang="ko-KR" altLang="en-US"/>
           </a:p>
@@ -3064,7 +3064,7 @@
             <a:fld id="{A22FE722-38C7-4231-8BB5-7A27D4E5977D}" type="datetimeFigureOut">
               <a:rPr lang="ko-KR" altLang="en-US" smtClean="0"/>
               <a:pPr/>
-              <a:t>2019-05-14</a:t>
+              <a:t>2019-05-15</a:t>
             </a:fld>
             <a:endParaRPr lang="ko-KR" altLang="en-US"/>
           </a:p>
@@ -3184,7 +3184,7 @@
             <a:fld id="{A22FE722-38C7-4231-8BB5-7A27D4E5977D}" type="datetimeFigureOut">
               <a:rPr lang="ko-KR" altLang="en-US" smtClean="0"/>
               <a:pPr/>
-              <a:t>2019-05-14</a:t>
+              <a:t>2019-05-15</a:t>
             </a:fld>
             <a:endParaRPr lang="ko-KR" altLang="en-US"/>
           </a:p>
@@ -3357,7 +3357,7 @@
             <a:fld id="{A22FE722-38C7-4231-8BB5-7A27D4E5977D}" type="datetimeFigureOut">
               <a:rPr lang="ko-KR" altLang="en-US" smtClean="0"/>
               <a:pPr/>
-              <a:t>2019-05-14</a:t>
+              <a:t>2019-05-15</a:t>
             </a:fld>
             <a:endParaRPr lang="ko-KR" altLang="en-US"/>
           </a:p>
@@ -3713,7 +3713,7 @@
             <a:fld id="{A22FE722-38C7-4231-8BB5-7A27D4E5977D}" type="datetimeFigureOut">
               <a:rPr lang="ko-KR" altLang="en-US" smtClean="0"/>
               <a:pPr/>
-              <a:t>2019-05-14</a:t>
+              <a:t>2019-05-15</a:t>
             </a:fld>
             <a:endParaRPr lang="ko-KR" altLang="en-US"/>
           </a:p>
@@ -4097,7 +4097,7 @@
             <a:fld id="{A22FE722-38C7-4231-8BB5-7A27D4E5977D}" type="datetimeFigureOut">
               <a:rPr lang="ko-KR" altLang="en-US" smtClean="0"/>
               <a:pPr/>
-              <a:t>2019-05-14</a:t>
+              <a:t>2019-05-15</a:t>
             </a:fld>
             <a:endParaRPr lang="ko-KR" altLang="en-US"/>
           </a:p>
@@ -4386,7 +4386,7 @@
             <a:fld id="{A22FE722-38C7-4231-8BB5-7A27D4E5977D}" type="datetimeFigureOut">
               <a:rPr lang="ko-KR" altLang="en-US" smtClean="0"/>
               <a:pPr/>
-              <a:t>2019-05-14</a:t>
+              <a:t>2019-05-15</a:t>
             </a:fld>
             <a:endParaRPr lang="ko-KR" altLang="en-US"/>
           </a:p>
@@ -7315,7 +7315,7 @@
           <p:nvPr>
             <p:extLst>
               <p:ext uri="{D42A27DB-BD31-4B8C-83A1-F6EECF244321}">
-                <p14:modId xmlns:p14="http://schemas.microsoft.com/office/powerpoint/2010/main" val="1230564565"/>
+                <p14:modId xmlns:p14="http://schemas.microsoft.com/office/powerpoint/2010/main" val="946502768"/>
               </p:ext>
             </p:extLst>
           </p:nvPr>
@@ -7866,7 +7866,23 @@
                     <a:bodyPr/>
                     <a:lstStyle/>
                     <a:p>
-                      <a:pPr algn="ctr"/>
+                      <a:pPr marL="0" marR="0" indent="0" algn="ctr" defTabSz="914400" rtl="0" eaLnBrk="1" fontAlgn="auto" latinLnBrk="1" hangingPunct="1">
+                        <a:lnSpc>
+                          <a:spcPct val="100000"/>
+                        </a:lnSpc>
+                        <a:spcBef>
+                          <a:spcPts val="0"/>
+                        </a:spcBef>
+                        <a:spcAft>
+                          <a:spcPts val="0"/>
+                        </a:spcAft>
+                        <a:buClrTx/>
+                        <a:buSzTx/>
+                        <a:buFontTx/>
+                        <a:buNone/>
+                        <a:tabLst/>
+                        <a:defRPr/>
+                      </a:pPr>
                       <a:r>
                         <a:rPr lang="ko-KR" altLang="en-US" sz="1200" dirty="0" smtClean="0"/>
                         <a:t>검색 기능</a:t>
@@ -7876,16 +7892,28 @@
                         <a:t>, </a:t>
                       </a:r>
                       <a:r>
-                        <a:rPr lang="ko-KR" altLang="en-US" sz="1200" dirty="0" smtClean="0"/>
-                        <a:t>이미지 구현</a:t>
+                        <a:rPr lang="en-US" altLang="ko-KR" sz="1200" dirty="0" err="1" smtClean="0"/>
+                        <a:t>Tkinter</a:t>
                       </a:r>
-                      <a:endParaRPr lang="en-US" altLang="ko-KR" sz="1200" dirty="0" smtClean="0"/>
+                      <a:r>
+                        <a:rPr lang="en-US" altLang="ko-KR" sz="1200" baseline="0" dirty="0" smtClean="0"/>
+                        <a:t> UI </a:t>
+                      </a:r>
+                      <a:r>
+                        <a:rPr lang="ko-KR" altLang="en-US" sz="1200" baseline="0" dirty="0" smtClean="0"/>
+                        <a:t>구현</a:t>
+                      </a:r>
+                      <a:endParaRPr lang="ko-KR" altLang="en-US" sz="1200" dirty="0" smtClean="0"/>
                     </a:p>
                     <a:p>
                       <a:pPr algn="ctr"/>
                       <a:r>
                         <a:rPr lang="ko-KR" altLang="en-US" sz="1200" dirty="0" smtClean="0"/>
-                        <a:t>중간 발표</a:t>
+                        <a:t>중간 </a:t>
+                      </a:r>
+                      <a:r>
+                        <a:rPr lang="ko-KR" altLang="en-US" sz="1200" dirty="0" smtClean="0"/>
+                        <a:t>발표</a:t>
                       </a:r>
                       <a:endParaRPr lang="ko-KR" altLang="en-US" sz="1200" dirty="0"/>
                     </a:p>
@@ -7907,16 +7935,31 @@
                         <a:t>, </a:t>
                       </a:r>
                       <a:r>
+                        <a:rPr lang="en-US" altLang="ko-KR" sz="1200" dirty="0" err="1" smtClean="0"/>
+                        <a:t>Tkinter</a:t>
+                      </a:r>
+                      <a:r>
                         <a:rPr lang="ko-KR" altLang="en-US" sz="1200" dirty="0" smtClean="0"/>
-                        <a:t>이미지 띄우기</a:t>
+                        <a:t>를 사용한 구체적 </a:t>
                       </a:r>
-                      <a:endParaRPr lang="en-US" altLang="ko-KR" sz="1200" dirty="0" smtClean="0"/>
+                      <a:r>
+                        <a:rPr lang="en-US" altLang="ko-KR" sz="1200" dirty="0" smtClean="0"/>
+                        <a:t>UI </a:t>
+                      </a:r>
+                      <a:r>
+                        <a:rPr lang="ko-KR" altLang="en-US" sz="1200" dirty="0" smtClean="0"/>
+                        <a:t>구현</a:t>
+                      </a:r>
                     </a:p>
                     <a:p>
                       <a:pPr algn="ctr"/>
                       <a:r>
                         <a:rPr lang="ko-KR" altLang="en-US" sz="1200" dirty="0" smtClean="0"/>
-                        <a:t>중간 발표 준비</a:t>
+                        <a:t>중간 </a:t>
+                      </a:r>
+                      <a:r>
+                        <a:rPr lang="ko-KR" altLang="en-US" sz="1200" dirty="0" smtClean="0"/>
+                        <a:t>발표 준비</a:t>
                       </a:r>
                       <a:endParaRPr lang="ko-KR" altLang="en-US" sz="1200" dirty="0"/>
                     </a:p>
@@ -8001,7 +8044,23 @@
                     <a:bodyPr/>
                     <a:lstStyle/>
                     <a:p>
-                      <a:pPr algn="ctr"/>
+                      <a:pPr marL="0" marR="0" indent="0" algn="ctr" defTabSz="914400" rtl="0" eaLnBrk="1" fontAlgn="auto" latinLnBrk="1" hangingPunct="1">
+                        <a:lnSpc>
+                          <a:spcPct val="100000"/>
+                        </a:lnSpc>
+                        <a:spcBef>
+                          <a:spcPts val="0"/>
+                        </a:spcBef>
+                        <a:spcAft>
+                          <a:spcPts val="0"/>
+                        </a:spcAft>
+                        <a:buClrTx/>
+                        <a:buSzTx/>
+                        <a:buFontTx/>
+                        <a:buNone/>
+                        <a:tabLst/>
+                        <a:defRPr/>
+                      </a:pPr>
                       <a:r>
                         <a:rPr lang="en-US" altLang="ko-KR" sz="1200" dirty="0" err="1" smtClean="0"/>
                         <a:t>Tkinter</a:t>
@@ -8014,7 +8073,15 @@
                         <a:rPr lang="ko-KR" altLang="en-US" sz="1200" baseline="0" dirty="0" smtClean="0"/>
                         <a:t>구현</a:t>
                       </a:r>
-                      <a:endParaRPr lang="ko-KR" altLang="en-US" sz="1200" dirty="0"/>
+                      <a:endParaRPr lang="ko-KR" altLang="en-US" sz="1200" dirty="0" smtClean="0"/>
+                    </a:p>
+                    <a:p>
+                      <a:pPr algn="ctr"/>
+                      <a:r>
+                        <a:rPr lang="ko-KR" altLang="en-US" sz="1200" dirty="0" smtClean="0"/>
+                        <a:t>이미지 구현</a:t>
+                      </a:r>
+                      <a:endParaRPr lang="en-US" altLang="ko-KR" sz="1200" dirty="0" smtClean="0"/>
                     </a:p>
                   </a:txBody>
                   <a:tcPr marL="41624" marR="41624" marT="11508" marB="11508" anchor="ctr"/>
@@ -8031,7 +8098,7 @@
                       </a:r>
                       <a:r>
                         <a:rPr lang="ko-KR" altLang="en-US" sz="1200" dirty="0" smtClean="0"/>
-                        <a:t>를 사용한 구체적 프로그램 </a:t>
+                        <a:t>를 사용한 구체적 </a:t>
                       </a:r>
                       <a:r>
                         <a:rPr lang="en-US" altLang="ko-KR" sz="1200" dirty="0" smtClean="0"/>
@@ -8040,6 +8107,14 @@
                       <a:r>
                         <a:rPr lang="ko-KR" altLang="en-US" sz="1200" dirty="0" smtClean="0"/>
                         <a:t>구현</a:t>
+                      </a:r>
+                      <a:r>
+                        <a:rPr lang="en-US" altLang="ko-KR" sz="1200" dirty="0" smtClean="0"/>
+                        <a:t>, </a:t>
+                      </a:r>
+                      <a:r>
+                        <a:rPr lang="ko-KR" altLang="en-US" sz="1200" dirty="0" smtClean="0"/>
+                        <a:t>이미지 띄우기</a:t>
                       </a:r>
                       <a:endParaRPr lang="ko-KR" altLang="en-US" sz="1200" dirty="0"/>
                     </a:p>
